--- a/diagrama de arquitectura - laditec.pptx
+++ b/diagrama de arquitectura - laditec.pptx
@@ -5,7 +5,7 @@
     <p:sldMasterId id="2147483648" r:id="rId1"/>
   </p:sldMasterIdLst>
   <p:notesMasterIdLst>
-    <p:notesMasterId r:id="rId11"/>
+    <p:notesMasterId r:id="rId13"/>
   </p:notesMasterIdLst>
   <p:sldIdLst>
     <p:sldId id="256" r:id="rId2"/>
@@ -16,22 +16,24 @@
     <p:sldId id="275" r:id="rId7"/>
     <p:sldId id="276" r:id="rId8"/>
     <p:sldId id="271" r:id="rId9"/>
-    <p:sldId id="273" r:id="rId10"/>
+    <p:sldId id="277" r:id="rId10"/>
+    <p:sldId id="278" r:id="rId11"/>
+    <p:sldId id="273" r:id="rId12"/>
   </p:sldIdLst>
   <p:sldSz cx="9144000" cy="5143500" type="screen16x9"/>
   <p:notesSz cx="6858000" cy="9144000"/>
   <p:embeddedFontLst>
     <p:embeddedFont>
       <p:font typeface="Calibri" panose="020F0502020204030204" pitchFamily="34" charset="0"/>
-      <p:regular r:id="rId12"/>
-      <p:bold r:id="rId13"/>
-      <p:italic r:id="rId14"/>
-      <p:boldItalic r:id="rId15"/>
+      <p:regular r:id="rId14"/>
+      <p:bold r:id="rId15"/>
+      <p:italic r:id="rId16"/>
+      <p:boldItalic r:id="rId17"/>
     </p:embeddedFont>
     <p:embeddedFont>
       <p:font typeface="Teko" panose="020B0604020202020204" charset="0"/>
-      <p:regular r:id="rId16"/>
-      <p:bold r:id="rId17"/>
+      <p:regular r:id="rId18"/>
+      <p:bold r:id="rId19"/>
     </p:embeddedFont>
   </p:embeddedFontLst>
   <p:defaultTextStyle>
@@ -268,7 +270,7 @@
       <p15:sldGuideLst xmlns:p15="http://schemas.microsoft.com/office/powerpoint/2012/main"/>
     </p:ext>
     <p:ext uri="http://customooxmlschemas.google.com/">
-      <go:slidesCustomData xmlns:go="http://customooxmlschemas.google.com/" xmlns:ahyp="http://schemas.microsoft.com/office/drawing/2018/hyperlinkcolor" xmlns:p15="http://schemas.microsoft.com/office/powerpoint/2012/main" xmlns:p14="http://schemas.microsoft.com/office/powerpoint/2010/main" xmlns:com="http://schemas.openxmlformats.org/drawingml/2006/compatibility" xmlns:pvml="urn:schemas-microsoft-com:office:powerpoint" xmlns:v="urn:schemas-microsoft-com:vml" xmlns:o="urn:schemas-microsoft-com:office:office" xmlns:dgm="http://schemas.openxmlformats.org/drawingml/2006/diagram" xmlns:c="http://schemas.openxmlformats.org/drawingml/2006/chart" xmlns:mv="urn:schemas-microsoft-com:mac:vml" xmlns:mc="http://schemas.openxmlformats.org/markup-compatibility/2006" xmlns="" r:id="rId28" roundtripDataSignature="AMtx7mjLaxa+GYZ1jRLAPYDOfo5PW8Cv2w=="/>
+      <go:slidesCustomData xmlns="" xmlns:mc="http://schemas.openxmlformats.org/markup-compatibility/2006" xmlns:mv="urn:schemas-microsoft-com:mac:vml" xmlns:c="http://schemas.openxmlformats.org/drawingml/2006/chart" xmlns:dgm="http://schemas.openxmlformats.org/drawingml/2006/diagram" xmlns:o="urn:schemas-microsoft-com:office:office" xmlns:v="urn:schemas-microsoft-com:vml" xmlns:pvml="urn:schemas-microsoft-com:office:powerpoint" xmlns:com="http://schemas.openxmlformats.org/drawingml/2006/compatibility" xmlns:p14="http://schemas.microsoft.com/office/powerpoint/2010/main" xmlns:p15="http://schemas.microsoft.com/office/powerpoint/2012/main" xmlns:ahyp="http://schemas.microsoft.com/office/drawing/2018/hyperlinkcolor" xmlns:go="http://customooxmlschemas.google.com/" r:id="rId28" roundtripDataSignature="AMtx7mjLaxa+GYZ1jRLAPYDOfo5PW8Cv2w=="/>
     </p:ext>
   </p:extLst>
 </p:presentation>
@@ -16786,8 +16788,8 @@
         </p:nvSpPr>
         <p:spPr>
           <a:xfrm>
-            <a:off x="5231088" y="1593976"/>
-            <a:ext cx="3462076" cy="2585323"/>
+            <a:off x="5206576" y="1541800"/>
+            <a:ext cx="3518325" cy="3000781"/>
           </a:xfrm>
           <a:prstGeom prst="rect">
             <a:avLst/>
@@ -16813,7 +16815,7 @@
               <a:buNone/>
             </a:pPr>
             <a:r>
-              <a:rPr lang="es-PE" sz="2700" b="1" i="0" u="none" strike="noStrike" cap="none">
+              <a:rPr lang="es-PE" sz="2700" b="1" i="0" u="none" strike="noStrike" cap="none" dirty="0">
                 <a:solidFill>
                   <a:srgbClr val="24416C"/>
                 </a:solidFill>
@@ -16822,9 +16824,57 @@
                 <a:cs typeface="Arial"/>
                 <a:sym typeface="Arial"/>
               </a:rPr>
-              <a:t> Implementación de un eCommerce para la gestión de ventas de productos en el laboratorio automotriz “Laditec"</a:t>
+              <a:t> Implementación de un </a:t>
             </a:r>
-            <a:endParaRPr sz="2700" b="1" i="0" u="none" strike="noStrike" cap="none">
+            <a:r>
+              <a:rPr lang="es-PE" sz="2700" b="1" i="0" u="none" strike="noStrike" cap="none" dirty="0" err="1">
+                <a:solidFill>
+                  <a:srgbClr val="24416C"/>
+                </a:solidFill>
+                <a:latin typeface="Arial"/>
+                <a:ea typeface="Arial"/>
+                <a:cs typeface="Arial"/>
+                <a:sym typeface="Arial"/>
+              </a:rPr>
+              <a:t>eCommerce</a:t>
+            </a:r>
+            <a:r>
+              <a:rPr lang="es-PE" sz="2700" b="1" i="0" u="none" strike="noStrike" cap="none" dirty="0">
+                <a:solidFill>
+                  <a:srgbClr val="24416C"/>
+                </a:solidFill>
+                <a:latin typeface="Arial"/>
+                <a:ea typeface="Arial"/>
+                <a:cs typeface="Arial"/>
+                <a:sym typeface="Arial"/>
+              </a:rPr>
+              <a:t> para la gestión de ventas de productos en el laboratorio automotriz “</a:t>
+            </a:r>
+            <a:r>
+              <a:rPr lang="es-PE" sz="2700" b="1" i="0" u="none" strike="noStrike" cap="none" dirty="0" err="1">
+                <a:solidFill>
+                  <a:srgbClr val="24416C"/>
+                </a:solidFill>
+                <a:latin typeface="Arial"/>
+                <a:ea typeface="Arial"/>
+                <a:cs typeface="Arial"/>
+                <a:sym typeface="Arial"/>
+              </a:rPr>
+              <a:t>Laditec</a:t>
+            </a:r>
+            <a:r>
+              <a:rPr lang="es-PE" sz="2700" b="1" i="0" u="none" strike="noStrike" cap="none" dirty="0">
+                <a:solidFill>
+                  <a:srgbClr val="24416C"/>
+                </a:solidFill>
+                <a:latin typeface="Arial"/>
+                <a:ea typeface="Arial"/>
+                <a:cs typeface="Arial"/>
+                <a:sym typeface="Arial"/>
+              </a:rPr>
+              <a:t>"</a:t>
+            </a:r>
+            <a:endParaRPr sz="2700" b="1" i="0" u="none" strike="noStrike" cap="none" dirty="0">
               <a:solidFill>
                 <a:srgbClr val="24416C"/>
               </a:solidFill>
@@ -16916,6 +16966,531 @@
   <p:clrMapOvr>
     <a:masterClrMapping/>
   </p:clrMapOvr>
+</p:sld>
+</file>
+
+<file path=ppt/slides/slide10.xml><?xml version="1.0" encoding="utf-8"?>
+<p:sld xmlns:a="http://schemas.openxmlformats.org/drawingml/2006/main" xmlns:r="http://schemas.openxmlformats.org/officeDocument/2006/relationships" xmlns:p="http://schemas.openxmlformats.org/presentationml/2006/main">
+  <p:cSld>
+    <p:spTree>
+      <p:nvGrpSpPr>
+        <p:cNvPr id="1" name=""/>
+        <p:cNvGrpSpPr/>
+        <p:nvPr/>
+      </p:nvGrpSpPr>
+      <p:grpSpPr>
+        <a:xfrm>
+          <a:off x="0" y="0"/>
+          <a:ext cx="0" cy="0"/>
+          <a:chOff x="0" y="0"/>
+          <a:chExt cx="0" cy="0"/>
+        </a:xfrm>
+      </p:grpSpPr>
+      <p:pic>
+        <p:nvPicPr>
+          <p:cNvPr id="2" name="image23.jpeg" descr="Interfaz de usuario gráfica, Texto, Aplicación  Descripción generada automáticamente">
+            <a:extLst>
+              <a:ext uri="{FF2B5EF4-FFF2-40B4-BE49-F238E27FC236}">
+                <a16:creationId xmlns:a16="http://schemas.microsoft.com/office/drawing/2014/main" id="{6E641291-238A-814C-272E-08E4303CC871}"/>
+              </a:ext>
+            </a:extLst>
+          </p:cNvPr>
+          <p:cNvPicPr>
+            <a:picLocks noChangeAspect="1"/>
+          </p:cNvPicPr>
+          <p:nvPr/>
+        </p:nvPicPr>
+        <p:blipFill>
+          <a:blip r:embed="rId2" cstate="print"/>
+          <a:stretch>
+            <a:fillRect/>
+          </a:stretch>
+        </p:blipFill>
+        <p:spPr>
+          <a:xfrm>
+            <a:off x="906601" y="954105"/>
+            <a:ext cx="7454034" cy="3637992"/>
+          </a:xfrm>
+          <a:prstGeom prst="rect">
+            <a:avLst/>
+          </a:prstGeom>
+        </p:spPr>
+      </p:pic>
+      <p:sp>
+        <p:nvSpPr>
+          <p:cNvPr id="3" name="Google Shape;270;p16">
+            <a:extLst>
+              <a:ext uri="{FF2B5EF4-FFF2-40B4-BE49-F238E27FC236}">
+                <a16:creationId xmlns:a16="http://schemas.microsoft.com/office/drawing/2014/main" id="{58744AE6-2F5C-FC04-4940-1D7B17799BD0}"/>
+              </a:ext>
+            </a:extLst>
+          </p:cNvPr>
+          <p:cNvSpPr txBox="1"/>
+          <p:nvPr/>
+        </p:nvSpPr>
+        <p:spPr>
+          <a:xfrm>
+            <a:off x="848632" y="127672"/>
+            <a:ext cx="6371318" cy="415370"/>
+          </a:xfrm>
+          <a:prstGeom prst="rect">
+            <a:avLst/>
+          </a:prstGeom>
+          <a:noFill/>
+          <a:ln>
+            <a:noFill/>
+          </a:ln>
+        </p:spPr>
+        <p:txBody>
+          <a:bodyPr spcFirstLastPara="1" wrap="square" lIns="91425" tIns="45700" rIns="91425" bIns="45700" anchor="t" anchorCtr="0">
+            <a:spAutoFit/>
+          </a:bodyPr>
+          <a:lstStyle/>
+          <a:p>
+            <a:pPr marL="0" marR="0" lvl="0" indent="0" algn="ctr" rtl="0">
+              <a:spcBef>
+                <a:spcPts val="0"/>
+              </a:spcBef>
+              <a:spcAft>
+                <a:spcPts val="0"/>
+              </a:spcAft>
+              <a:buNone/>
+            </a:pPr>
+            <a:r>
+              <a:rPr lang="es-PE" sz="2099" b="1" dirty="0" err="1">
+                <a:solidFill>
+                  <a:srgbClr val="356377"/>
+                </a:solidFill>
+                <a:latin typeface="Arial"/>
+                <a:ea typeface="Arial"/>
+                <a:cs typeface="Arial"/>
+                <a:sym typeface="Arial"/>
+              </a:rPr>
+              <a:t>Sonarqube</a:t>
+            </a:r>
+            <a:endParaRPr sz="2099" b="1" dirty="0">
+              <a:solidFill>
+                <a:srgbClr val="356377"/>
+              </a:solidFill>
+              <a:latin typeface="Arial"/>
+              <a:ea typeface="Arial"/>
+              <a:cs typeface="Arial"/>
+              <a:sym typeface="Arial"/>
+            </a:endParaRPr>
+          </a:p>
+        </p:txBody>
+      </p:sp>
+    </p:spTree>
+    <p:extLst>
+      <p:ext uri="{BB962C8B-B14F-4D97-AF65-F5344CB8AC3E}">
+        <p14:creationId xmlns:p14="http://schemas.microsoft.com/office/powerpoint/2010/main" val="1302841262"/>
+      </p:ext>
+    </p:extLst>
+  </p:cSld>
+  <p:clrMapOvr>
+    <a:masterClrMapping/>
+  </p:clrMapOvr>
+  <p:timing>
+    <p:tnLst>
+      <p:par>
+        <p:cTn id="1" dur="indefinite" restart="never" nodeType="tmRoot">
+          <p:childTnLst>
+            <p:seq concurrent="1" nextAc="seek">
+              <p:cTn id="2" dur="indefinite" nodeType="mainSeq">
+                <p:childTnLst>
+                  <p:par>
+                    <p:cTn id="3" fill="hold">
+                      <p:stCondLst>
+                        <p:cond delay="indefinite"/>
+                        <p:cond evt="onBegin" delay="0">
+                          <p:tn val="2"/>
+                        </p:cond>
+                      </p:stCondLst>
+                      <p:childTnLst>
+                        <p:par>
+                          <p:cTn id="4" fill="hold">
+                            <p:stCondLst>
+                              <p:cond delay="0"/>
+                            </p:stCondLst>
+                            <p:childTnLst>
+                              <p:par>
+                                <p:cTn id="5" presetID="10" presetClass="entr" presetSubtype="0" fill="hold" nodeType="withEffect">
+                                  <p:stCondLst>
+                                    <p:cond delay="0"/>
+                                  </p:stCondLst>
+                                  <p:childTnLst>
+                                    <p:set>
+                                      <p:cBhvr>
+                                        <p:cTn id="6" dur="1" fill="hold">
+                                          <p:stCondLst>
+                                            <p:cond delay="0"/>
+                                          </p:stCondLst>
+                                        </p:cTn>
+                                        <p:tgtEl>
+                                          <p:spTgt spid="3"/>
+                                        </p:tgtEl>
+                                        <p:attrNameLst>
+                                          <p:attrName>style.visibility</p:attrName>
+                                        </p:attrNameLst>
+                                      </p:cBhvr>
+                                      <p:to>
+                                        <p:strVal val="visible"/>
+                                      </p:to>
+                                    </p:set>
+                                    <p:animEffect transition="in" filter="fade">
+                                      <p:cBhvr>
+                                        <p:cTn id="7" dur="500"/>
+                                        <p:tgtEl>
+                                          <p:spTgt spid="3"/>
+                                        </p:tgtEl>
+                                      </p:cBhvr>
+                                    </p:animEffect>
+                                  </p:childTnLst>
+                                </p:cTn>
+                              </p:par>
+                            </p:childTnLst>
+                          </p:cTn>
+                        </p:par>
+                      </p:childTnLst>
+                    </p:cTn>
+                  </p:par>
+                </p:childTnLst>
+              </p:cTn>
+              <p:prevCondLst>
+                <p:cond evt="onPrev" delay="0">
+                  <p:tgtEl>
+                    <p:sldTgt/>
+                  </p:tgtEl>
+                </p:cond>
+              </p:prevCondLst>
+              <p:nextCondLst>
+                <p:cond evt="onNext" delay="0">
+                  <p:tgtEl>
+                    <p:sldTgt/>
+                  </p:tgtEl>
+                </p:cond>
+              </p:nextCondLst>
+            </p:seq>
+          </p:childTnLst>
+        </p:cTn>
+      </p:par>
+    </p:tnLst>
+  </p:timing>
+</p:sld>
+</file>
+
+<file path=ppt/slides/slide11.xml><?xml version="1.0" encoding="utf-8"?>
+<p:sld xmlns:a="http://schemas.openxmlformats.org/drawingml/2006/main" xmlns:r="http://schemas.openxmlformats.org/officeDocument/2006/relationships" xmlns:p="http://schemas.openxmlformats.org/presentationml/2006/main">
+  <p:cSld>
+    <p:spTree>
+      <p:nvGrpSpPr>
+        <p:cNvPr id="1" name="Shape 289"/>
+        <p:cNvGrpSpPr/>
+        <p:nvPr/>
+      </p:nvGrpSpPr>
+      <p:grpSpPr>
+        <a:xfrm>
+          <a:off x="0" y="0"/>
+          <a:ext cx="0" cy="0"/>
+          <a:chOff x="0" y="0"/>
+          <a:chExt cx="0" cy="0"/>
+        </a:xfrm>
+      </p:grpSpPr>
+      <p:sp>
+        <p:nvSpPr>
+          <p:cNvPr id="290" name="Google Shape;290;p18"/>
+          <p:cNvSpPr txBox="1"/>
+          <p:nvPr/>
+        </p:nvSpPr>
+        <p:spPr>
+          <a:xfrm>
+            <a:off x="848632" y="127672"/>
+            <a:ext cx="6371318" cy="415370"/>
+          </a:xfrm>
+          <a:prstGeom prst="rect">
+            <a:avLst/>
+          </a:prstGeom>
+          <a:noFill/>
+          <a:ln>
+            <a:noFill/>
+          </a:ln>
+        </p:spPr>
+        <p:txBody>
+          <a:bodyPr spcFirstLastPara="1" wrap="square" lIns="91425" tIns="45700" rIns="91425" bIns="45700" anchor="t" anchorCtr="0">
+            <a:spAutoFit/>
+          </a:bodyPr>
+          <a:lstStyle/>
+          <a:p>
+            <a:pPr marL="0" marR="0" lvl="0" indent="0" algn="ctr" rtl="0">
+              <a:spcBef>
+                <a:spcPts val="0"/>
+              </a:spcBef>
+              <a:spcAft>
+                <a:spcPts val="0"/>
+              </a:spcAft>
+              <a:buNone/>
+            </a:pPr>
+            <a:r>
+              <a:rPr lang="es-PE" sz="2099" b="1">
+                <a:solidFill>
+                  <a:srgbClr val="356377"/>
+                </a:solidFill>
+                <a:latin typeface="Arial"/>
+                <a:ea typeface="Arial"/>
+                <a:cs typeface="Arial"/>
+                <a:sym typeface="Arial"/>
+              </a:rPr>
+              <a:t>Conclusiones</a:t>
+            </a:r>
+            <a:endParaRPr sz="2099" b="1">
+              <a:solidFill>
+                <a:srgbClr val="356377"/>
+              </a:solidFill>
+              <a:latin typeface="Arial"/>
+              <a:ea typeface="Arial"/>
+              <a:cs typeface="Arial"/>
+              <a:sym typeface="Arial"/>
+            </a:endParaRPr>
+          </a:p>
+        </p:txBody>
+      </p:sp>
+      <p:sp>
+        <p:nvSpPr>
+          <p:cNvPr id="291" name="Google Shape;291;p18"/>
+          <p:cNvSpPr txBox="1"/>
+          <p:nvPr/>
+        </p:nvSpPr>
+        <p:spPr>
+          <a:xfrm>
+            <a:off x="802921" y="1118526"/>
+            <a:ext cx="7538157" cy="3412986"/>
+          </a:xfrm>
+          <a:prstGeom prst="rect">
+            <a:avLst/>
+          </a:prstGeom>
+          <a:noFill/>
+          <a:ln>
+            <a:noFill/>
+          </a:ln>
+        </p:spPr>
+        <p:txBody>
+          <a:bodyPr spcFirstLastPara="1" wrap="square" lIns="91425" tIns="45700" rIns="91425" bIns="45700" anchor="t" anchorCtr="0">
+            <a:spAutoFit/>
+          </a:bodyPr>
+          <a:lstStyle/>
+          <a:p>
+            <a:pPr marL="342900" marR="0" lvl="0" indent="-342900" algn="just" rtl="0">
+              <a:lnSpc>
+                <a:spcPct val="115000"/>
+              </a:lnSpc>
+              <a:spcBef>
+                <a:spcPts val="0"/>
+              </a:spcBef>
+              <a:spcAft>
+                <a:spcPts val="0"/>
+              </a:spcAft>
+              <a:buClr>
+                <a:schemeClr val="dk1"/>
+              </a:buClr>
+              <a:buSzPts val="1800"/>
+              <a:buFont typeface="Noto Sans Symbols"/>
+              <a:buChar char="∙"/>
+            </a:pPr>
+            <a:r>
+              <a:rPr lang="es-PE" sz="1800">
+                <a:solidFill>
+                  <a:schemeClr val="dk1"/>
+                </a:solidFill>
+                <a:latin typeface="Calibri"/>
+                <a:ea typeface="Calibri"/>
+                <a:cs typeface="Calibri"/>
+                <a:sym typeface="Calibri"/>
+              </a:rPr>
+              <a:t>Se han encontrado diferentes requerimientos de los cuales se buscan satisfacer los orientados a la gestión de productos mediante la implementación del e-commerce siendo factible según criterios B/C, VAN y TIR. </a:t>
+            </a:r>
+            <a:endParaRPr sz="1600">
+              <a:solidFill>
+                <a:schemeClr val="dk1"/>
+              </a:solidFill>
+              <a:latin typeface="Calibri"/>
+              <a:ea typeface="Calibri"/>
+              <a:cs typeface="Calibri"/>
+              <a:sym typeface="Calibri"/>
+            </a:endParaRPr>
+          </a:p>
+          <a:p>
+            <a:pPr marL="342900" marR="0" lvl="0" indent="-342900" algn="just" rtl="0">
+              <a:lnSpc>
+                <a:spcPct val="115000"/>
+              </a:lnSpc>
+              <a:spcBef>
+                <a:spcPts val="600"/>
+              </a:spcBef>
+              <a:spcAft>
+                <a:spcPts val="0"/>
+              </a:spcAft>
+              <a:buClr>
+                <a:schemeClr val="dk1"/>
+              </a:buClr>
+              <a:buSzPts val="1800"/>
+              <a:buFont typeface="Noto Sans Symbols"/>
+              <a:buChar char="∙"/>
+            </a:pPr>
+            <a:r>
+              <a:rPr lang="es-PE" sz="1800">
+                <a:solidFill>
+                  <a:schemeClr val="dk1"/>
+                </a:solidFill>
+                <a:latin typeface="Calibri"/>
+                <a:ea typeface="Calibri"/>
+                <a:cs typeface="Calibri"/>
+                <a:sym typeface="Calibri"/>
+              </a:rPr>
+              <a:t>Se ha logrado el diseño de los diferentes artefactos con UML para que sea entendible para el equipo de desarrollo asegurando la implementación del sistema con una calidad predecible.</a:t>
+            </a:r>
+            <a:endParaRPr sz="1600">
+              <a:solidFill>
+                <a:schemeClr val="dk1"/>
+              </a:solidFill>
+              <a:latin typeface="Calibri"/>
+              <a:ea typeface="Calibri"/>
+              <a:cs typeface="Calibri"/>
+              <a:sym typeface="Calibri"/>
+            </a:endParaRPr>
+          </a:p>
+          <a:p>
+            <a:pPr marL="342900" marR="0" lvl="0" indent="-342900" algn="just" rtl="0">
+              <a:lnSpc>
+                <a:spcPct val="115000"/>
+              </a:lnSpc>
+              <a:spcBef>
+                <a:spcPts val="600"/>
+              </a:spcBef>
+              <a:spcAft>
+                <a:spcPts val="0"/>
+              </a:spcAft>
+              <a:buClr>
+                <a:schemeClr val="dk1"/>
+              </a:buClr>
+              <a:buSzPts val="1800"/>
+              <a:buFont typeface="Noto Sans Symbols"/>
+              <a:buChar char="∙"/>
+            </a:pPr>
+            <a:r>
+              <a:rPr lang="es-PE" sz="1800">
+                <a:solidFill>
+                  <a:schemeClr val="dk1"/>
+                </a:solidFill>
+                <a:latin typeface="Calibri"/>
+                <a:ea typeface="Calibri"/>
+                <a:cs typeface="Calibri"/>
+                <a:sym typeface="Calibri"/>
+              </a:rPr>
+              <a:t>Se ha visto factible la realización e implementación de construir un e-commerce como fuente de gestión de productos para la mejora de los ingresos en la empresa.</a:t>
+            </a:r>
+            <a:endParaRPr sz="1600">
+              <a:solidFill>
+                <a:schemeClr val="dk1"/>
+              </a:solidFill>
+              <a:latin typeface="Calibri"/>
+              <a:ea typeface="Calibri"/>
+              <a:cs typeface="Calibri"/>
+              <a:sym typeface="Calibri"/>
+            </a:endParaRPr>
+          </a:p>
+        </p:txBody>
+      </p:sp>
+    </p:spTree>
+  </p:cSld>
+  <p:clrMapOvr>
+    <a:masterClrMapping/>
+  </p:clrMapOvr>
+  <p:timing>
+    <p:tnLst>
+      <p:par>
+        <p:cTn id="1" dur="indefinite" restart="never" nodeType="tmRoot">
+          <p:childTnLst>
+            <p:seq concurrent="1" nextAc="seek">
+              <p:cTn id="2" dur="indefinite" nodeType="mainSeq">
+                <p:childTnLst>
+                  <p:par>
+                    <p:cTn id="3" fill="hold">
+                      <p:stCondLst>
+                        <p:cond delay="indefinite"/>
+                        <p:cond evt="onBegin" delay="0">
+                          <p:tn val="2"/>
+                        </p:cond>
+                      </p:stCondLst>
+                      <p:childTnLst>
+                        <p:par>
+                          <p:cTn id="4" fill="hold">
+                            <p:stCondLst>
+                              <p:cond delay="0"/>
+                            </p:stCondLst>
+                            <p:childTnLst>
+                              <p:par>
+                                <p:cTn id="5" presetID="10" presetClass="entr" presetSubtype="0" fill="hold" nodeType="withEffect">
+                                  <p:stCondLst>
+                                    <p:cond delay="0"/>
+                                  </p:stCondLst>
+                                  <p:childTnLst>
+                                    <p:set>
+                                      <p:cBhvr>
+                                        <p:cTn id="6" dur="1" fill="hold">
+                                          <p:stCondLst>
+                                            <p:cond delay="0"/>
+                                          </p:stCondLst>
+                                        </p:cTn>
+                                        <p:tgtEl>
+                                          <p:spTgt spid="290"/>
+                                        </p:tgtEl>
+                                        <p:attrNameLst>
+                                          <p:attrName>style.visibility</p:attrName>
+                                        </p:attrNameLst>
+                                      </p:cBhvr>
+                                      <p:to>
+                                        <p:strVal val="visible"/>
+                                      </p:to>
+                                    </p:set>
+                                    <p:animEffect transition="in" filter="fade">
+                                      <p:cBhvr>
+                                        <p:cTn id="7" dur="500"/>
+                                        <p:tgtEl>
+                                          <p:spTgt spid="290"/>
+                                        </p:tgtEl>
+                                      </p:cBhvr>
+                                    </p:animEffect>
+                                  </p:childTnLst>
+                                </p:cTn>
+                              </p:par>
+                            </p:childTnLst>
+                          </p:cTn>
+                        </p:par>
+                      </p:childTnLst>
+                    </p:cTn>
+                  </p:par>
+                </p:childTnLst>
+              </p:cTn>
+              <p:prevCondLst>
+                <p:cond evt="onPrev" delay="0">
+                  <p:tgtEl>
+                    <p:sldTgt/>
+                  </p:tgtEl>
+                </p:cond>
+              </p:prevCondLst>
+              <p:nextCondLst>
+                <p:cond evt="onNext" delay="0">
+                  <p:tgtEl>
+                    <p:sldTgt/>
+                  </p:tgtEl>
+                </p:cond>
+              </p:nextCondLst>
+            </p:seq>
+          </p:childTnLst>
+        </p:cTn>
+      </p:par>
+    </p:tnLst>
+  </p:timing>
 </p:sld>
 </file>
 
@@ -17430,7 +18005,7 @@
         <p14:flip dir="l"/>
       </p:transition>
     </mc:Choice>
-    <mc:Fallback xmlns:ahyp="http://schemas.microsoft.com/office/drawing/2018/hyperlinkcolor" xmlns:p15="http://schemas.microsoft.com/office/powerpoint/2012/main" xmlns:com="http://schemas.openxmlformats.org/drawingml/2006/compatibility" xmlns:pvml="urn:schemas-microsoft-com:office:powerpoint" xmlns:v="urn:schemas-microsoft-com:vml" xmlns:o="urn:schemas-microsoft-com:office:office" xmlns:dgm="http://schemas.openxmlformats.org/drawingml/2006/diagram" xmlns:c="http://schemas.openxmlformats.org/drawingml/2006/chart" xmlns:mv="urn:schemas-microsoft-com:mac:vml" xmlns="">
+    <mc:Fallback xmlns="" xmlns:mv="urn:schemas-microsoft-com:mac:vml" xmlns:c="http://schemas.openxmlformats.org/drawingml/2006/chart" xmlns:dgm="http://schemas.openxmlformats.org/drawingml/2006/diagram" xmlns:o="urn:schemas-microsoft-com:office:office" xmlns:v="urn:schemas-microsoft-com:vml" xmlns:pvml="urn:schemas-microsoft-com:office:powerpoint" xmlns:com="http://schemas.openxmlformats.org/drawingml/2006/compatibility" xmlns:p15="http://schemas.microsoft.com/office/powerpoint/2012/main" xmlns:ahyp="http://schemas.microsoft.com/office/drawing/2018/hyperlinkcolor">
       <p:transition spd="slow">
         <p:fade/>
       </p:transition>
@@ -18036,7 +18611,7 @@
         <p14:flip dir="l"/>
       </p:transition>
     </mc:Choice>
-    <mc:Fallback xmlns:ahyp="http://schemas.microsoft.com/office/drawing/2018/hyperlinkcolor" xmlns:p15="http://schemas.microsoft.com/office/powerpoint/2012/main" xmlns:com="http://schemas.openxmlformats.org/drawingml/2006/compatibility" xmlns:pvml="urn:schemas-microsoft-com:office:powerpoint" xmlns:v="urn:schemas-microsoft-com:vml" xmlns:o="urn:schemas-microsoft-com:office:office" xmlns:dgm="http://schemas.openxmlformats.org/drawingml/2006/diagram" xmlns:c="http://schemas.openxmlformats.org/drawingml/2006/chart" xmlns:mv="urn:schemas-microsoft-com:mac:vml" xmlns="">
+    <mc:Fallback xmlns="" xmlns:mv="urn:schemas-microsoft-com:mac:vml" xmlns:c="http://schemas.openxmlformats.org/drawingml/2006/chart" xmlns:dgm="http://schemas.openxmlformats.org/drawingml/2006/diagram" xmlns:o="urn:schemas-microsoft-com:office:office" xmlns:v="urn:schemas-microsoft-com:vml" xmlns:pvml="urn:schemas-microsoft-com:office:powerpoint" xmlns:com="http://schemas.openxmlformats.org/drawingml/2006/compatibility" xmlns:p15="http://schemas.microsoft.com/office/powerpoint/2012/main" xmlns:ahyp="http://schemas.microsoft.com/office/drawing/2018/hyperlinkcolor">
       <p:transition spd="slow">
         <p:fade/>
       </p:transition>
@@ -19764,7 +20339,7 @@
         <p14:flip dir="l"/>
       </p:transition>
     </mc:Choice>
-    <mc:Fallback xmlns:ahyp="http://schemas.microsoft.com/office/drawing/2018/hyperlinkcolor" xmlns:p15="http://schemas.microsoft.com/office/powerpoint/2012/main" xmlns:com="http://schemas.openxmlformats.org/drawingml/2006/compatibility" xmlns:pvml="urn:schemas-microsoft-com:office:powerpoint" xmlns:v="urn:schemas-microsoft-com:vml" xmlns:o="urn:schemas-microsoft-com:office:office" xmlns:dgm="http://schemas.openxmlformats.org/drawingml/2006/diagram" xmlns:c="http://schemas.openxmlformats.org/drawingml/2006/chart" xmlns:mv="urn:schemas-microsoft-com:mac:vml" xmlns="">
+    <mc:Fallback xmlns="" xmlns:mv="urn:schemas-microsoft-com:mac:vml" xmlns:c="http://schemas.openxmlformats.org/drawingml/2006/chart" xmlns:dgm="http://schemas.openxmlformats.org/drawingml/2006/diagram" xmlns:o="urn:schemas-microsoft-com:office:office" xmlns:v="urn:schemas-microsoft-com:vml" xmlns:pvml="urn:schemas-microsoft-com:office:powerpoint" xmlns:com="http://schemas.openxmlformats.org/drawingml/2006/compatibility" xmlns:p15="http://schemas.microsoft.com/office/powerpoint/2012/main" xmlns:ahyp="http://schemas.microsoft.com/office/drawing/2018/hyperlinkcolor">
       <p:transition spd="slow">
         <p:fade/>
       </p:transition>
@@ -19864,7 +20439,7 @@
   <p:cSld>
     <p:spTree>
       <p:nvGrpSpPr>
-        <p:cNvPr id="1" name="Shape 289"/>
+        <p:cNvPr id="1" name=""/>
         <p:cNvGrpSpPr/>
         <p:nvPr/>
       </p:nvGrpSpPr>
@@ -19876,9 +20451,45 @@
           <a:chExt cx="0" cy="0"/>
         </a:xfrm>
       </p:grpSpPr>
+      <p:pic>
+        <p:nvPicPr>
+          <p:cNvPr id="2" name="image22.png" descr="Interfaz de usuario gráfica, Texto, Aplicación  Descripción generada automáticamente">
+            <a:extLst>
+              <a:ext uri="{FF2B5EF4-FFF2-40B4-BE49-F238E27FC236}">
+                <a16:creationId xmlns:a16="http://schemas.microsoft.com/office/drawing/2014/main" id="{A89A2731-9E2B-7013-6F12-49A5F7A7DA08}"/>
+              </a:ext>
+            </a:extLst>
+          </p:cNvPr>
+          <p:cNvPicPr>
+            <a:picLocks noChangeAspect="1"/>
+          </p:cNvPicPr>
+          <p:nvPr/>
+        </p:nvPicPr>
+        <p:blipFill>
+          <a:blip r:embed="rId2" cstate="print"/>
+          <a:stretch>
+            <a:fillRect/>
+          </a:stretch>
+        </p:blipFill>
+        <p:spPr>
+          <a:xfrm>
+            <a:off x="966892" y="904840"/>
+            <a:ext cx="7101934" cy="3498410"/>
+          </a:xfrm>
+          <a:prstGeom prst="rect">
+            <a:avLst/>
+          </a:prstGeom>
+        </p:spPr>
+      </p:pic>
       <p:sp>
         <p:nvSpPr>
-          <p:cNvPr id="290" name="Google Shape;290;p18"/>
+          <p:cNvPr id="4" name="Google Shape;270;p16">
+            <a:extLst>
+              <a:ext uri="{FF2B5EF4-FFF2-40B4-BE49-F238E27FC236}">
+                <a16:creationId xmlns:a16="http://schemas.microsoft.com/office/drawing/2014/main" id="{E841FA71-1650-76E4-A82D-D504897181C6}"/>
+              </a:ext>
+            </a:extLst>
+          </p:cNvPr>
           <p:cNvSpPr txBox="1"/>
           <p:nvPr/>
         </p:nvSpPr>
@@ -19911,7 +20522,7 @@
               <a:buNone/>
             </a:pPr>
             <a:r>
-              <a:rPr lang="es-PE" sz="2099" b="1">
+              <a:rPr lang="es-PE" sz="2099" b="1" dirty="0" err="1">
                 <a:solidFill>
                   <a:srgbClr val="356377"/>
                 </a:solidFill>
@@ -19920,9 +20531,9 @@
                 <a:cs typeface="Arial"/>
                 <a:sym typeface="Arial"/>
               </a:rPr>
-              <a:t>Conclusiones</a:t>
+              <a:t>Sonarqube</a:t>
             </a:r>
-            <a:endParaRPr sz="2099" b="1">
+            <a:endParaRPr sz="2099" b="1" dirty="0">
               <a:solidFill>
                 <a:srgbClr val="356377"/>
               </a:solidFill>
@@ -19934,153 +20545,12 @@
           </a:p>
         </p:txBody>
       </p:sp>
-      <p:sp>
-        <p:nvSpPr>
-          <p:cNvPr id="291" name="Google Shape;291;p18"/>
-          <p:cNvSpPr txBox="1"/>
-          <p:nvPr/>
-        </p:nvSpPr>
-        <p:spPr>
-          <a:xfrm>
-            <a:off x="802921" y="1118526"/>
-            <a:ext cx="7538157" cy="3412986"/>
-          </a:xfrm>
-          <a:prstGeom prst="rect">
-            <a:avLst/>
-          </a:prstGeom>
-          <a:noFill/>
-          <a:ln>
-            <a:noFill/>
-          </a:ln>
-        </p:spPr>
-        <p:txBody>
-          <a:bodyPr spcFirstLastPara="1" wrap="square" lIns="91425" tIns="45700" rIns="91425" bIns="45700" anchor="t" anchorCtr="0">
-            <a:spAutoFit/>
-          </a:bodyPr>
-          <a:lstStyle/>
-          <a:p>
-            <a:pPr marL="342900" marR="0" lvl="0" indent="-342900" algn="just" rtl="0">
-              <a:lnSpc>
-                <a:spcPct val="115000"/>
-              </a:lnSpc>
-              <a:spcBef>
-                <a:spcPts val="0"/>
-              </a:spcBef>
-              <a:spcAft>
-                <a:spcPts val="0"/>
-              </a:spcAft>
-              <a:buClr>
-                <a:schemeClr val="dk1"/>
-              </a:buClr>
-              <a:buSzPts val="1800"/>
-              <a:buFont typeface="Noto Sans Symbols"/>
-              <a:buChar char="∙"/>
-            </a:pPr>
-            <a:r>
-              <a:rPr lang="es-PE" sz="1800">
-                <a:solidFill>
-                  <a:schemeClr val="dk1"/>
-                </a:solidFill>
-                <a:latin typeface="Calibri"/>
-                <a:ea typeface="Calibri"/>
-                <a:cs typeface="Calibri"/>
-                <a:sym typeface="Calibri"/>
-              </a:rPr>
-              <a:t>Se han encontrado diferentes requerimientos de los cuales se buscan satisfacer los orientados a la gestión de productos mediante la implementación del e-commerce siendo factible según criterios B/C, VAN y TIR. </a:t>
-            </a:r>
-            <a:endParaRPr sz="1600">
-              <a:solidFill>
-                <a:schemeClr val="dk1"/>
-              </a:solidFill>
-              <a:latin typeface="Calibri"/>
-              <a:ea typeface="Calibri"/>
-              <a:cs typeface="Calibri"/>
-              <a:sym typeface="Calibri"/>
-            </a:endParaRPr>
-          </a:p>
-          <a:p>
-            <a:pPr marL="342900" marR="0" lvl="0" indent="-342900" algn="just" rtl="0">
-              <a:lnSpc>
-                <a:spcPct val="115000"/>
-              </a:lnSpc>
-              <a:spcBef>
-                <a:spcPts val="600"/>
-              </a:spcBef>
-              <a:spcAft>
-                <a:spcPts val="0"/>
-              </a:spcAft>
-              <a:buClr>
-                <a:schemeClr val="dk1"/>
-              </a:buClr>
-              <a:buSzPts val="1800"/>
-              <a:buFont typeface="Noto Sans Symbols"/>
-              <a:buChar char="∙"/>
-            </a:pPr>
-            <a:r>
-              <a:rPr lang="es-PE" sz="1800">
-                <a:solidFill>
-                  <a:schemeClr val="dk1"/>
-                </a:solidFill>
-                <a:latin typeface="Calibri"/>
-                <a:ea typeface="Calibri"/>
-                <a:cs typeface="Calibri"/>
-                <a:sym typeface="Calibri"/>
-              </a:rPr>
-              <a:t>Se ha logrado el diseño de los diferentes artefactos con UML para que sea entendible para el equipo de desarrollo asegurando la implementación del sistema con una calidad predecible.</a:t>
-            </a:r>
-            <a:endParaRPr sz="1600">
-              <a:solidFill>
-                <a:schemeClr val="dk1"/>
-              </a:solidFill>
-              <a:latin typeface="Calibri"/>
-              <a:ea typeface="Calibri"/>
-              <a:cs typeface="Calibri"/>
-              <a:sym typeface="Calibri"/>
-            </a:endParaRPr>
-          </a:p>
-          <a:p>
-            <a:pPr marL="342900" marR="0" lvl="0" indent="-342900" algn="just" rtl="0">
-              <a:lnSpc>
-                <a:spcPct val="115000"/>
-              </a:lnSpc>
-              <a:spcBef>
-                <a:spcPts val="600"/>
-              </a:spcBef>
-              <a:spcAft>
-                <a:spcPts val="0"/>
-              </a:spcAft>
-              <a:buClr>
-                <a:schemeClr val="dk1"/>
-              </a:buClr>
-              <a:buSzPts val="1800"/>
-              <a:buFont typeface="Noto Sans Symbols"/>
-              <a:buChar char="∙"/>
-            </a:pPr>
-            <a:r>
-              <a:rPr lang="es-PE" sz="1800">
-                <a:solidFill>
-                  <a:schemeClr val="dk1"/>
-                </a:solidFill>
-                <a:latin typeface="Calibri"/>
-                <a:ea typeface="Calibri"/>
-                <a:cs typeface="Calibri"/>
-                <a:sym typeface="Calibri"/>
-              </a:rPr>
-              <a:t>Se ha visto factible la realización e implementación de construir un e-commerce como fuente de gestión de productos para la mejora de los ingresos en la empresa.</a:t>
-            </a:r>
-            <a:endParaRPr sz="1600">
-              <a:solidFill>
-                <a:schemeClr val="dk1"/>
-              </a:solidFill>
-              <a:latin typeface="Calibri"/>
-              <a:ea typeface="Calibri"/>
-              <a:cs typeface="Calibri"/>
-              <a:sym typeface="Calibri"/>
-            </a:endParaRPr>
-          </a:p>
-        </p:txBody>
-      </p:sp>
     </p:spTree>
+    <p:extLst>
+      <p:ext uri="{BB962C8B-B14F-4D97-AF65-F5344CB8AC3E}">
+        <p14:creationId xmlns:p14="http://schemas.microsoft.com/office/powerpoint/2010/main" val="3667899265"/>
+      </p:ext>
+    </p:extLst>
   </p:cSld>
   <p:clrMapOvr>
     <a:masterClrMapping/>
@@ -20122,7 +20592,7 @@
                                           </p:stCondLst>
                                         </p:cTn>
                                         <p:tgtEl>
-                                          <p:spTgt spid="290"/>
+                                          <p:spTgt spid="4"/>
                                         </p:tgtEl>
                                         <p:attrNameLst>
                                           <p:attrName>style.visibility</p:attrName>
@@ -20136,7 +20606,7 @@
                                       <p:cBhvr>
                                         <p:cTn id="7" dur="500"/>
                                         <p:tgtEl>
-                                          <p:spTgt spid="290"/>
+                                          <p:spTgt spid="4"/>
                                         </p:tgtEl>
                                       </p:cBhvr>
                                     </p:animEffect>

--- a/diagrama de arquitectura - laditec.pptx
+++ b/diagrama de arquitectura - laditec.pptx
@@ -270,7 +270,7 @@
       <p15:sldGuideLst xmlns:p15="http://schemas.microsoft.com/office/powerpoint/2012/main"/>
     </p:ext>
     <p:ext uri="http://customooxmlschemas.google.com/">
-      <go:slidesCustomData xmlns="" xmlns:mc="http://schemas.openxmlformats.org/markup-compatibility/2006" xmlns:mv="urn:schemas-microsoft-com:mac:vml" xmlns:c="http://schemas.openxmlformats.org/drawingml/2006/chart" xmlns:dgm="http://schemas.openxmlformats.org/drawingml/2006/diagram" xmlns:o="urn:schemas-microsoft-com:office:office" xmlns:v="urn:schemas-microsoft-com:vml" xmlns:pvml="urn:schemas-microsoft-com:office:powerpoint" xmlns:com="http://schemas.openxmlformats.org/drawingml/2006/compatibility" xmlns:p14="http://schemas.microsoft.com/office/powerpoint/2010/main" xmlns:p15="http://schemas.microsoft.com/office/powerpoint/2012/main" xmlns:ahyp="http://schemas.microsoft.com/office/drawing/2018/hyperlinkcolor" xmlns:go="http://customooxmlschemas.google.com/" r:id="rId28" roundtripDataSignature="AMtx7mjLaxa+GYZ1jRLAPYDOfo5PW8Cv2w=="/>
+      <go:slidesCustomData xmlns:go="http://customooxmlschemas.google.com/" xmlns:ahyp="http://schemas.microsoft.com/office/drawing/2018/hyperlinkcolor" xmlns:p15="http://schemas.microsoft.com/office/powerpoint/2012/main" xmlns:p14="http://schemas.microsoft.com/office/powerpoint/2010/main" xmlns:com="http://schemas.openxmlformats.org/drawingml/2006/compatibility" xmlns:pvml="urn:schemas-microsoft-com:office:powerpoint" xmlns:v="urn:schemas-microsoft-com:vml" xmlns:o="urn:schemas-microsoft-com:office:office" xmlns:dgm="http://schemas.openxmlformats.org/drawingml/2006/diagram" xmlns:c="http://schemas.openxmlformats.org/drawingml/2006/chart" xmlns:mv="urn:schemas-microsoft-com:mac:vml" xmlns:mc="http://schemas.openxmlformats.org/markup-compatibility/2006" xmlns="" r:id="rId28" roundtripDataSignature="AMtx7mjLaxa+GYZ1jRLAPYDOfo5PW8Cv2w=="/>
     </p:ext>
   </p:extLst>
 </p:presentation>
@@ -18005,7 +18005,7 @@
         <p14:flip dir="l"/>
       </p:transition>
     </mc:Choice>
-    <mc:Fallback xmlns="" xmlns:mv="urn:schemas-microsoft-com:mac:vml" xmlns:c="http://schemas.openxmlformats.org/drawingml/2006/chart" xmlns:dgm="http://schemas.openxmlformats.org/drawingml/2006/diagram" xmlns:o="urn:schemas-microsoft-com:office:office" xmlns:v="urn:schemas-microsoft-com:vml" xmlns:pvml="urn:schemas-microsoft-com:office:powerpoint" xmlns:com="http://schemas.openxmlformats.org/drawingml/2006/compatibility" xmlns:p15="http://schemas.microsoft.com/office/powerpoint/2012/main" xmlns:ahyp="http://schemas.microsoft.com/office/drawing/2018/hyperlinkcolor">
+    <mc:Fallback xmlns:ahyp="http://schemas.microsoft.com/office/drawing/2018/hyperlinkcolor" xmlns:p15="http://schemas.microsoft.com/office/powerpoint/2012/main" xmlns:com="http://schemas.openxmlformats.org/drawingml/2006/compatibility" xmlns:pvml="urn:schemas-microsoft-com:office:powerpoint" xmlns:v="urn:schemas-microsoft-com:vml" xmlns:o="urn:schemas-microsoft-com:office:office" xmlns:dgm="http://schemas.openxmlformats.org/drawingml/2006/diagram" xmlns:c="http://schemas.openxmlformats.org/drawingml/2006/chart" xmlns:mv="urn:schemas-microsoft-com:mac:vml" xmlns="">
       <p:transition spd="slow">
         <p:fade/>
       </p:transition>
@@ -18611,7 +18611,7 @@
         <p14:flip dir="l"/>
       </p:transition>
     </mc:Choice>
-    <mc:Fallback xmlns="" xmlns:mv="urn:schemas-microsoft-com:mac:vml" xmlns:c="http://schemas.openxmlformats.org/drawingml/2006/chart" xmlns:dgm="http://schemas.openxmlformats.org/drawingml/2006/diagram" xmlns:o="urn:schemas-microsoft-com:office:office" xmlns:v="urn:schemas-microsoft-com:vml" xmlns:pvml="urn:schemas-microsoft-com:office:powerpoint" xmlns:com="http://schemas.openxmlformats.org/drawingml/2006/compatibility" xmlns:p15="http://schemas.microsoft.com/office/powerpoint/2012/main" xmlns:ahyp="http://schemas.microsoft.com/office/drawing/2018/hyperlinkcolor">
+    <mc:Fallback xmlns:ahyp="http://schemas.microsoft.com/office/drawing/2018/hyperlinkcolor" xmlns:p15="http://schemas.microsoft.com/office/powerpoint/2012/main" xmlns:com="http://schemas.openxmlformats.org/drawingml/2006/compatibility" xmlns:pvml="urn:schemas-microsoft-com:office:powerpoint" xmlns:v="urn:schemas-microsoft-com:vml" xmlns:o="urn:schemas-microsoft-com:office:office" xmlns:dgm="http://schemas.openxmlformats.org/drawingml/2006/diagram" xmlns:c="http://schemas.openxmlformats.org/drawingml/2006/chart" xmlns:mv="urn:schemas-microsoft-com:mac:vml" xmlns="">
       <p:transition spd="slow">
         <p:fade/>
       </p:transition>
@@ -20339,7 +20339,7 @@
         <p14:flip dir="l"/>
       </p:transition>
     </mc:Choice>
-    <mc:Fallback xmlns="" xmlns:mv="urn:schemas-microsoft-com:mac:vml" xmlns:c="http://schemas.openxmlformats.org/drawingml/2006/chart" xmlns:dgm="http://schemas.openxmlformats.org/drawingml/2006/diagram" xmlns:o="urn:schemas-microsoft-com:office:office" xmlns:v="urn:schemas-microsoft-com:vml" xmlns:pvml="urn:schemas-microsoft-com:office:powerpoint" xmlns:com="http://schemas.openxmlformats.org/drawingml/2006/compatibility" xmlns:p15="http://schemas.microsoft.com/office/powerpoint/2012/main" xmlns:ahyp="http://schemas.microsoft.com/office/drawing/2018/hyperlinkcolor">
+    <mc:Fallback xmlns:ahyp="http://schemas.microsoft.com/office/drawing/2018/hyperlinkcolor" xmlns:p15="http://schemas.microsoft.com/office/powerpoint/2012/main" xmlns:com="http://schemas.openxmlformats.org/drawingml/2006/compatibility" xmlns:pvml="urn:schemas-microsoft-com:office:powerpoint" xmlns:v="urn:schemas-microsoft-com:vml" xmlns:o="urn:schemas-microsoft-com:office:office" xmlns:dgm="http://schemas.openxmlformats.org/drawingml/2006/diagram" xmlns:c="http://schemas.openxmlformats.org/drawingml/2006/chart" xmlns:mv="urn:schemas-microsoft-com:mac:vml" xmlns="">
       <p:transition spd="slow">
         <p:fade/>
       </p:transition>
@@ -20522,7 +20522,7 @@
               <a:buNone/>
             </a:pPr>
             <a:r>
-              <a:rPr lang="es-PE" sz="2099" b="1" dirty="0" err="1">
+              <a:rPr lang="es-PE" sz="2099" b="1" u="sng">
                 <a:solidFill>
                   <a:srgbClr val="356377"/>
                 </a:solidFill>
@@ -20531,9 +20531,9 @@
                 <a:cs typeface="Arial"/>
                 <a:sym typeface="Arial"/>
               </a:rPr>
-              <a:t>Sonarqube</a:t>
+              <a:t>SonarQube</a:t>
             </a:r>
-            <a:endParaRPr sz="2099" b="1" dirty="0">
+            <a:endParaRPr sz="2099" b="1" u="sng" dirty="0">
               <a:solidFill>
                 <a:srgbClr val="356377"/>
               </a:solidFill>
